--- a/Trabalho PAA2.pptx
+++ b/Trabalho PAA2.pptx
@@ -107,6 +107,11 @@
       </a:defRPr>
     </a:lvl9pPr>
   </p:defaultTextStyle>
+  <p:extLst>
+    <p:ext uri="{EFAFB233-063F-42B5-8137-9DF3F51BA10A}">
+      <p15:sldGuideLst xmlns:p15="http://schemas.microsoft.com/office/powerpoint/2012/main"/>
+    </p:ext>
+  </p:extLst>
 </p:presentation>
 </file>
 
@@ -272,7 +277,7 @@
           <a:p>
             <a:fld id="{9549D6DC-E1CB-4874-BF52-C3407230D20E}" type="datetime1">
               <a:rPr lang="en-US" smtClean="0"/>
-              <a:t>6/1/2022</a:t>
+              <a:t>6/2/2022</a:t>
             </a:fld>
             <a:endParaRPr lang="en-US"/>
           </a:p>
@@ -481,7 +486,7 @@
           <a:p>
             <a:fld id="{F7701D81-C4B9-4A87-89A7-22E29E6C9200}" type="datetime1">
               <a:rPr lang="en-US" smtClean="0"/>
-              <a:t>6/1/2022</a:t>
+              <a:t>6/2/2022</a:t>
             </a:fld>
             <a:endParaRPr lang="en-US"/>
           </a:p>
@@ -691,7 +696,7 @@
           <a:p>
             <a:fld id="{EE307718-69F7-427E-95A3-C1246AF46913}" type="datetime1">
               <a:rPr lang="en-US" smtClean="0"/>
-              <a:t>6/1/2022</a:t>
+              <a:t>6/2/2022</a:t>
             </a:fld>
             <a:endParaRPr lang="en-US"/>
           </a:p>
@@ -891,7 +896,7 @@
           <a:p>
             <a:fld id="{48913E51-B7F7-4C24-B8E3-5471755DC0E0}" type="datetime1">
               <a:rPr lang="en-US" smtClean="0"/>
-              <a:t>6/1/2022</a:t>
+              <a:t>6/2/2022</a:t>
             </a:fld>
             <a:endParaRPr lang="en-US"/>
           </a:p>
@@ -1172,7 +1177,7 @@
           <a:p>
             <a:fld id="{DA91A59F-D956-4598-A3C1-AE72A5387751}" type="datetime1">
               <a:rPr lang="en-US" smtClean="0"/>
-              <a:t>6/1/2022</a:t>
+              <a:t>6/2/2022</a:t>
             </a:fld>
             <a:endParaRPr lang="en-US" dirty="0"/>
           </a:p>
@@ -1440,7 +1445,7 @@
           <a:p>
             <a:fld id="{D70BBD69-7BD3-4731-8064-242619E92CBE}" type="datetime1">
               <a:rPr lang="en-US" smtClean="0"/>
-              <a:t>6/1/2022</a:t>
+              <a:t>6/2/2022</a:t>
             </a:fld>
             <a:endParaRPr lang="en-US"/>
           </a:p>
@@ -1895,7 +1900,7 @@
           <a:p>
             <a:fld id="{38BD77D9-239F-488B-9358-023C46BC7084}" type="datetime1">
               <a:rPr lang="en-US" smtClean="0"/>
-              <a:t>6/1/2022</a:t>
+              <a:t>6/2/2022</a:t>
             </a:fld>
             <a:endParaRPr lang="en-US"/>
           </a:p>
@@ -2042,7 +2047,7 @@
           <a:p>
             <a:fld id="{1EE61C24-7140-4FDE-92F3-654C6E2D3C1C}" type="datetime1">
               <a:rPr lang="en-US" smtClean="0"/>
-              <a:t>6/1/2022</a:t>
+              <a:t>6/2/2022</a:t>
             </a:fld>
             <a:endParaRPr lang="en-US"/>
           </a:p>
@@ -2155,7 +2160,7 @@
           <a:p>
             <a:fld id="{DC4D6ACF-ECB9-4B5F-A429-08B8AC75E8EF}" type="datetime1">
               <a:rPr lang="en-US" smtClean="0"/>
-              <a:t>6/1/2022</a:t>
+              <a:t>6/2/2022</a:t>
             </a:fld>
             <a:endParaRPr lang="en-US"/>
           </a:p>
@@ -2474,7 +2479,7 @@
           <a:p>
             <a:fld id="{788B429B-EE2A-486A-BDB9-0C848B4FAFDD}" type="datetime1">
               <a:rPr lang="en-US" smtClean="0"/>
-              <a:t>6/1/2022</a:t>
+              <a:t>6/2/2022</a:t>
             </a:fld>
             <a:endParaRPr lang="en-US"/>
           </a:p>
@@ -2771,7 +2776,7 @@
           <a:p>
             <a:fld id="{8DA5FE4A-CB8D-40AB-BFFC-AAF37EA071CB}" type="datetime1">
               <a:rPr lang="en-US" smtClean="0"/>
-              <a:t>6/1/2022</a:t>
+              <a:t>6/2/2022</a:t>
             </a:fld>
             <a:endParaRPr lang="en-US"/>
           </a:p>
@@ -3419,7 +3424,7 @@
           <a:p>
             <a:fld id="{C0517C94-3B1E-4991-BED3-41F8B0158A00}" type="datetime1">
               <a:rPr lang="en-US" smtClean="0"/>
-              <a:t>6/1/2022</a:t>
+              <a:t>6/2/2022</a:t>
             </a:fld>
             <a:endParaRPr lang="en-US" dirty="0"/>
           </a:p>
@@ -5170,14 +5175,7 @@
                               <a:rPr lang="pt-BR" b="0" i="1" smtClean="0">
                                 <a:latin typeface="Cambria Math" panose="02040503050406030204" pitchFamily="18" charset="0"/>
                               </a:rPr>
-                              <m:t> </m:t>
-                            </m:r>
-                            <m:r>
-                              <a:rPr lang="pt-BR" b="0" i="1" smtClean="0">
-                                <a:latin typeface="Cambria Math" panose="02040503050406030204" pitchFamily="18" charset="0"/>
-                                <a:ea typeface="Cambria Math" panose="02040503050406030204" pitchFamily="18" charset="0"/>
-                              </a:rPr>
-                              <m:t>≤</m:t>
+                              <m:t> ≤</m:t>
                             </m:r>
                             <m:r>
                               <a:rPr lang="pt-BR" b="0" i="1" smtClean="0">
@@ -5198,13 +5196,13 @@
                               <a:rPr lang="pt-BR" b="0" i="1" smtClean="0">
                                 <a:latin typeface="Cambria Math" panose="02040503050406030204" pitchFamily="18" charset="0"/>
                               </a:rPr>
-                              <m:t>=6.71</m:t>
-                            </m:r>
-                            <m:r>
-                              <a:rPr lang="pt-BR" b="0" i="1" smtClean="0">
-                                <a:latin typeface="Cambria Math" panose="02040503050406030204" pitchFamily="18" charset="0"/>
-                              </a:rPr>
-                              <m:t> </m:t>
+                              <m:t>=16.7</m:t>
+                            </m:r>
+                            <m:r>
+                              <a:rPr lang="pt-BR" b="0" i="1" smtClean="0">
+                                <a:latin typeface="Cambria Math" panose="02040503050406030204" pitchFamily="18" charset="0"/>
+                              </a:rPr>
+                              <m:t>1 </m:t>
                             </m:r>
                             <m:r>
                               <a:rPr lang="pt-BR" b="0" i="1" smtClean="0">
@@ -5216,19 +5214,7 @@
                               <a:rPr lang="pt-BR" b="0" i="1" smtClean="0">
                                 <a:latin typeface="Cambria Math" panose="02040503050406030204" pitchFamily="18" charset="0"/>
                               </a:rPr>
-                              <m:t> </m:t>
-                            </m:r>
-                            <m:r>
-                              <a:rPr lang="pt-BR" b="0" i="1" smtClean="0">
-                                <a:latin typeface="Cambria Math" panose="02040503050406030204" pitchFamily="18" charset="0"/>
-                              </a:rPr>
-                              <m:t>1+</m:t>
-                            </m:r>
-                            <m:r>
-                              <a:rPr lang="pt-BR" b="0" i="1" smtClean="0">
-                                <a:latin typeface="Cambria Math" panose="02040503050406030204" pitchFamily="18" charset="0"/>
-                              </a:rPr>
-                              <m:t>8.52 </m:t>
+                              <m:t> 1+18.52 </m:t>
                             </m:r>
                             <m:r>
                               <a:rPr lang="pt-BR" b="0" i="1" smtClean="0">
@@ -5252,7 +5238,7 @@
                               <a:rPr lang="pt-BR" b="0" i="1" smtClean="0">
                                 <a:latin typeface="Cambria Math" panose="02040503050406030204" pitchFamily="18" charset="0"/>
                               </a:rPr>
-                              <m:t> 3+1.21 </m:t>
+                              <m:t> 3+21.21 </m:t>
                             </m:r>
                             <m:r>
                               <a:rPr lang="pt-BR" b="0" i="1" smtClean="0">
@@ -5264,7 +5250,7 @@
                               <a:rPr lang="pt-BR" b="0" i="1" smtClean="0">
                                 <a:latin typeface="Cambria Math" panose="02040503050406030204" pitchFamily="18" charset="0"/>
                               </a:rPr>
-                              <m:t> 4+1.71 </m:t>
+                              <m:t> 4+21.71 </m:t>
                             </m:r>
                             <m:r>
                               <a:rPr lang="pt-BR" b="0" i="1" smtClean="0">
@@ -5276,7 +5262,7 @@
                               <a:rPr lang="pt-BR" b="0" i="1" smtClean="0">
                                 <a:latin typeface="Cambria Math" panose="02040503050406030204" pitchFamily="18" charset="0"/>
                               </a:rPr>
-                              <m:t> 5+2.06 </m:t>
+                              <m:t> 5+22.06 </m:t>
                             </m:r>
                             <m:r>
                               <a:rPr lang="pt-BR" b="0" i="1" smtClean="0">
@@ -5288,7 +5274,7 @@
                               <a:rPr lang="pt-BR" b="0" i="1" smtClean="0">
                                 <a:latin typeface="Cambria Math" panose="02040503050406030204" pitchFamily="18" charset="0"/>
                               </a:rPr>
-                              <m:t> 6+4.01 </m:t>
+                              <m:t> 6+14.01 </m:t>
                             </m:r>
                             <m:r>
                               <a:rPr lang="pt-BR" b="0" i="1" smtClean="0">
@@ -5300,7 +5286,7 @@
                               <a:rPr lang="pt-BR" b="0" i="1" smtClean="0">
                                 <a:latin typeface="Cambria Math" panose="02040503050406030204" pitchFamily="18" charset="0"/>
                               </a:rPr>
-                              <m:t> 7+3.61 </m:t>
+                              <m:t> 7+43.61 </m:t>
                             </m:r>
                             <m:r>
                               <a:rPr lang="pt-BR" b="0" i="1" smtClean="0">
@@ -5312,7 +5298,7 @@
                               <a:rPr lang="pt-BR" b="0" i="1" smtClean="0">
                                 <a:latin typeface="Cambria Math" panose="02040503050406030204" pitchFamily="18" charset="0"/>
                               </a:rPr>
-                              <m:t> 8+2.56 </m:t>
+                              <m:t> 8+12.56 </m:t>
                             </m:r>
                             <m:r>
                               <a:rPr lang="pt-BR" b="0" i="1" smtClean="0">
@@ -5453,7 +5439,33 @@
                 <a:latin typeface="Cambria Math" panose="02040503050406030204" pitchFamily="18" charset="0"/>
                 <a:ea typeface="Cambria Math" panose="02040503050406030204" pitchFamily="18" charset="0"/>
               </a:rPr>
-              <a:t>C= Capacidade do inventario (160)</a:t>
+              <a:t>C= Capacidade do </a:t>
+            </a:r>
+            <a:r>
+              <a:rPr lang="pt-BR">
+                <a:solidFill>
+                  <a:schemeClr val="tx2">
+                    <a:lumMod val="60000"/>
+                    <a:lumOff val="40000"/>
+                  </a:schemeClr>
+                </a:solidFill>
+                <a:latin typeface="Cambria Math" panose="02040503050406030204" pitchFamily="18" charset="0"/>
+                <a:ea typeface="Cambria Math" panose="02040503050406030204" pitchFamily="18" charset="0"/>
+              </a:rPr>
+              <a:t>inventario (60</a:t>
+            </a:r>
+            <a:r>
+              <a:rPr lang="pt-BR" dirty="0">
+                <a:solidFill>
+                  <a:schemeClr val="tx2">
+                    <a:lumMod val="60000"/>
+                    <a:lumOff val="40000"/>
+                  </a:schemeClr>
+                </a:solidFill>
+                <a:latin typeface="Cambria Math" panose="02040503050406030204" pitchFamily="18" charset="0"/>
+                <a:ea typeface="Cambria Math" panose="02040503050406030204" pitchFamily="18" charset="0"/>
+              </a:rPr>
+              <a:t>)</a:t>
             </a:r>
           </a:p>
           <a:p>

--- a/Trabalho PAA2.pptx
+++ b/Trabalho PAA2.pptx
@@ -4657,8 +4657,8 @@
           </a:p>
         </p:txBody>
       </p:sp>
-      <mc:AlternateContent xmlns:mc="http://schemas.openxmlformats.org/markup-compatibility/2006">
-        <mc:Choice xmlns:a14="http://schemas.microsoft.com/office/drawing/2010/main" Requires="a14">
+      <mc:AlternateContent xmlns:mc="http://schemas.openxmlformats.org/markup-compatibility/2006" xmlns:a14="http://schemas.microsoft.com/office/drawing/2010/main">
+        <mc:Choice Requires="a14">
           <p:sp>
             <p:nvSpPr>
               <p:cNvPr id="3" name="Espaço Reservado para Conteúdo 2">
@@ -5196,13 +5196,7 @@
                               <a:rPr lang="pt-BR" b="0" i="1" smtClean="0">
                                 <a:latin typeface="Cambria Math" panose="02040503050406030204" pitchFamily="18" charset="0"/>
                               </a:rPr>
-                              <m:t>=16.7</m:t>
-                            </m:r>
-                            <m:r>
-                              <a:rPr lang="pt-BR" b="0" i="1" smtClean="0">
-                                <a:latin typeface="Cambria Math" panose="02040503050406030204" pitchFamily="18" charset="0"/>
-                              </a:rPr>
-                              <m:t>1 </m:t>
+                              <m:t>=16.71 </m:t>
                             </m:r>
                             <m:r>
                               <a:rPr lang="pt-BR" b="0" i="1" smtClean="0">
@@ -5328,7 +5322,7 @@
             </p:txBody>
           </p:sp>
         </mc:Choice>
-        <mc:Fallback>
+        <mc:Fallback xmlns="">
           <p:sp>
             <p:nvSpPr>
               <p:cNvPr id="3" name="Espaço Reservado para Conteúdo 2">
@@ -5452,7 +5446,7 @@
                 <a:latin typeface="Cambria Math" panose="02040503050406030204" pitchFamily="18" charset="0"/>
                 <a:ea typeface="Cambria Math" panose="02040503050406030204" pitchFamily="18" charset="0"/>
               </a:rPr>
-              <a:t>inventario (60</a:t>
+              <a:t>inventario (160</a:t>
             </a:r>
             <a:r>
               <a:rPr lang="pt-BR" dirty="0">

--- a/Trabalho PAA2.pptx
+++ b/Trabalho PAA2.pptx
@@ -4657,8 +4657,8 @@
           </a:p>
         </p:txBody>
       </p:sp>
-      <mc:AlternateContent xmlns:mc="http://schemas.openxmlformats.org/markup-compatibility/2006" xmlns:a14="http://schemas.microsoft.com/office/drawing/2010/main">
-        <mc:Choice Requires="a14">
+      <mc:AlternateContent xmlns:mc="http://schemas.openxmlformats.org/markup-compatibility/2006">
+        <mc:Choice xmlns:a14="http://schemas.microsoft.com/office/drawing/2010/main" Requires="a14">
           <p:sp>
             <p:nvSpPr>
               <p:cNvPr id="3" name="Espaço Reservado para Conteúdo 2">
@@ -4972,7 +4972,13 @@
                               <a:rPr lang="pt-BR" b="0" i="1" smtClean="0">
                                 <a:latin typeface="Cambria Math" panose="02040503050406030204" pitchFamily="18" charset="0"/>
                               </a:rPr>
-                              <m:t>=2</m:t>
+                              <m:t>=160 </m:t>
+                            </m:r>
+                            <m:r>
+                              <a:rPr lang="pt-BR" b="0" i="1" smtClean="0">
+                                <a:latin typeface="Cambria Math" panose="02040503050406030204" pitchFamily="18" charset="0"/>
+                              </a:rPr>
+                              <m:t>− (2</m:t>
                             </m:r>
                             <m:r>
                               <a:rPr lang="pt-BR" b="0" i="1" smtClean="0">
@@ -4996,7 +5002,7 @@
                               <a:rPr lang="pt-BR" b="0" i="1" smtClean="0">
                                 <a:latin typeface="Cambria Math" panose="02040503050406030204" pitchFamily="18" charset="0"/>
                               </a:rPr>
-                              <m:t>2+1</m:t>
+                              <m:t>2+3</m:t>
                             </m:r>
                             <m:r>
                               <a:rPr lang="pt-BR" b="0" i="1" smtClean="0">
@@ -5089,7 +5095,10 @@
                     </m:nary>
                   </m:oMath>
                 </a14:m>
-                <a:endParaRPr lang="pt-BR" dirty="0"/>
+                <a:r>
+                  <a:rPr lang="pt-BR" dirty="0"/>
+                  <a:t>)</a:t>
+                </a:r>
               </a:p>
               <a:p>
                 <a:pPr lvl="1"/>
@@ -5322,7 +5331,7 @@
             </p:txBody>
           </p:sp>
         </mc:Choice>
-        <mc:Fallback xmlns="">
+        <mc:Fallback>
           <p:sp>
             <p:nvSpPr>
               <p:cNvPr id="3" name="Espaço Reservado para Conteúdo 2">
